--- a/Taken Out of Context - S4 2014.pptx
+++ b/Taken Out of Context - S4 2014.pptx
@@ -5613,23 +5613,6 @@
               </a:rPr>
               <a:t>Taken Out of Context:</a:t>
             </a:r>
-            <a:endParaRPr lang="en-US" b="1" dirty="0" smtClean="0">
-              <a:ln w="3175">
-                <a:noFill/>
-              </a:ln>
-              <a:solidFill>
-                <a:schemeClr val="bg1"/>
-              </a:solidFill>
-              <a:effectLst>
-                <a:glow rad="25400">
-                  <a:schemeClr val="tx1">
-                    <a:alpha val="40000"/>
-                  </a:schemeClr>
-                </a:glow>
-              </a:effectLst>
-              <a:latin typeface="Arial" pitchFamily="34" charset="0"/>
-              <a:cs typeface="Arial" pitchFamily="34" charset="0"/>
-            </a:endParaRPr>
           </a:p>
           <a:p>
             <a:r>
@@ -5650,27 +5633,7 @@
                 <a:latin typeface="Arial" pitchFamily="34" charset="0"/>
                 <a:cs typeface="Arial" pitchFamily="34" charset="0"/>
               </a:rPr>
-              <a:t>Languag</a:t>
-            </a:r>
-            <a:r>
-              <a:rPr lang="en-US" sz="3200" i="1" dirty="0" smtClean="0">
-                <a:ln w="3175">
-                  <a:noFill/>
-                </a:ln>
-                <a:solidFill>
-                  <a:schemeClr val="bg1"/>
-                </a:solidFill>
-                <a:effectLst>
-                  <a:glow rad="25400">
-                    <a:schemeClr val="tx1">
-                      <a:alpha val="40000"/>
-                    </a:schemeClr>
-                  </a:glow>
-                </a:effectLst>
-                <a:latin typeface="Arial" pitchFamily="34" charset="0"/>
-                <a:cs typeface="Arial" pitchFamily="34" charset="0"/>
-              </a:rPr>
-              <a:t>e Theoretic Security</a:t>
+              <a:t>Language Theoretic Security</a:t>
             </a:r>
           </a:p>
           <a:p>
@@ -6469,7 +6432,11 @@
             </a:pPr>
             <a:r>
               <a:rPr lang="en-US" b="1" dirty="0" smtClean="0"/>
-              <a:t>Shotgun Parsers</a:t>
+              <a:t>“Shotgun” </a:t>
+            </a:r>
+            <a:r>
+              <a:rPr lang="en-US" b="1" dirty="0" smtClean="0"/>
+              <a:t>Parsers</a:t>
             </a:r>
           </a:p>
           <a:p>
@@ -6496,8 +6463,17 @@
             </a:pPr>
             <a:r>
               <a:rPr lang="en-US" dirty="0" smtClean="0"/>
-              <a:t>Have a dense-enough collection of checks, and you are likely to hit most things</a:t>
-            </a:r>
+              <a:t>Have a dense-enough collection of checks, and you are likely to hit most </a:t>
+            </a:r>
+            <a:r>
+              <a:rPr lang="en-US" dirty="0" smtClean="0"/>
+              <a:t>things </a:t>
+            </a:r>
+            <a:r>
+              <a:rPr lang="en-US" sz="2000" dirty="0" smtClean="0"/>
+              <a:t>(although the attacker only has to find one miss!)</a:t>
+            </a:r>
+            <a:endParaRPr lang="en-US" sz="2000" dirty="0" smtClean="0"/>
           </a:p>
           <a:p>
             <a:pPr marL="0" indent="0">
@@ -6529,7 +6505,15 @@
             </a:pPr>
             <a:r>
               <a:rPr lang="en-US" dirty="0" smtClean="0"/>
-              <a:t>In a way, is the inverse of defining valid input</a:t>
+              <a:t>In a way, is </a:t>
+            </a:r>
+            <a:r>
+              <a:rPr lang="en-US" dirty="0" smtClean="0"/>
+              <a:t>the (semi-random) </a:t>
+            </a:r>
+            <a:r>
+              <a:rPr lang="en-US" dirty="0" smtClean="0"/>
+              <a:t>inverse of defining valid input</a:t>
             </a:r>
             <a:endParaRPr lang="en-US" dirty="0"/>
           </a:p>

--- a/Taken Out of Context - S4 2014.pptx
+++ b/Taken Out of Context - S4 2014.pptx
@@ -5,7 +5,7 @@
     <p:sldMasterId id="2147483648" r:id="rId1"/>
   </p:sldMasterIdLst>
   <p:notesMasterIdLst>
-    <p:notesMasterId r:id="rId12"/>
+    <p:notesMasterId r:id="rId13"/>
   </p:notesMasterIdLst>
   <p:sldIdLst>
     <p:sldId id="285" r:id="rId2"/>
@@ -16,8 +16,9 @@
     <p:sldId id="290" r:id="rId7"/>
     <p:sldId id="291" r:id="rId8"/>
     <p:sldId id="292" r:id="rId9"/>
-    <p:sldId id="293" r:id="rId10"/>
-    <p:sldId id="294" r:id="rId11"/>
+    <p:sldId id="295" r:id="rId10"/>
+    <p:sldId id="296" r:id="rId11"/>
+    <p:sldId id="294" r:id="rId12"/>
   </p:sldIdLst>
   <p:sldSz cx="9144000" cy="6858000" type="screen4x3"/>
   <p:notesSz cx="6858000" cy="9144000"/>
@@ -254,7 +255,7 @@
               <a:pPr>
                 <a:defRPr/>
               </a:pPr>
-              <a:t>1/5/2014</a:t>
+              <a:t>1/7/2014</a:t>
             </a:fld>
             <a:endParaRPr lang="en-US"/>
           </a:p>
@@ -667,6 +668,322 @@
 </p:notes>
 </file>
 
+<file path=ppt/notesSlides/notesSlide2.xml><?xml version="1.0" encoding="utf-8"?>
+<p:notes xmlns:a="http://schemas.openxmlformats.org/drawingml/2006/main" xmlns:r="http://schemas.openxmlformats.org/officeDocument/2006/relationships" xmlns:p="http://schemas.openxmlformats.org/presentationml/2006/main">
+  <p:cSld>
+    <p:spTree>
+      <p:nvGrpSpPr>
+        <p:cNvPr id="1" name=""/>
+        <p:cNvGrpSpPr/>
+        <p:nvPr/>
+      </p:nvGrpSpPr>
+      <p:grpSpPr>
+        <a:xfrm>
+          <a:off x="0" y="0"/>
+          <a:ext cx="0" cy="0"/>
+          <a:chOff x="0" y="0"/>
+          <a:chExt cx="0" cy="0"/>
+        </a:xfrm>
+      </p:grpSpPr>
+      <p:sp>
+        <p:nvSpPr>
+          <p:cNvPr id="2" name="Slide Image Placeholder 1"/>
+          <p:cNvSpPr>
+            <a:spLocks noGrp="1" noRot="1" noChangeAspect="1"/>
+          </p:cNvSpPr>
+          <p:nvPr>
+            <p:ph type="sldImg"/>
+          </p:nvPr>
+        </p:nvSpPr>
+        <p:spPr/>
+      </p:sp>
+      <p:sp>
+        <p:nvSpPr>
+          <p:cNvPr id="3" name="Notes Placeholder 2"/>
+          <p:cNvSpPr>
+            <a:spLocks noGrp="1"/>
+          </p:cNvSpPr>
+          <p:nvPr>
+            <p:ph type="body" idx="1"/>
+          </p:nvPr>
+        </p:nvSpPr>
+        <p:spPr/>
+        <p:txBody>
+          <a:bodyPr/>
+          <a:lstStyle/>
+          <a:p>
+            <a:pPr marL="0" marR="0" indent="0" algn="l" defTabSz="914400" rtl="0" eaLnBrk="0" fontAlgn="base" latinLnBrk="0" hangingPunct="0">
+              <a:lnSpc>
+                <a:spcPct val="100000"/>
+              </a:lnSpc>
+              <a:spcBef>
+                <a:spcPct val="30000"/>
+              </a:spcBef>
+              <a:spcAft>
+                <a:spcPct val="0"/>
+              </a:spcAft>
+              <a:buClrTx/>
+              <a:buSzTx/>
+              <a:buFontTx/>
+              <a:buNone/>
+              <a:tabLst/>
+              <a:defRPr/>
+            </a:pPr>
+            <a:r>
+              <a:rPr lang="en-US" sz="1200" kern="1200" dirty="0" smtClean="0">
+                <a:solidFill>
+                  <a:schemeClr val="tx1"/>
+                </a:solidFill>
+                <a:effectLst/>
+                <a:latin typeface="+mn-lt"/>
+                <a:ea typeface="ＭＳ Ｐゴシック" charset="-128"/>
+                <a:cs typeface="ＭＳ Ｐゴシック" charset="-128"/>
+              </a:rPr>
+              <a:t>Each independent protocol frame/message element has a parser. The parser for the whole frame/message is a composition of these parsers. (Bonus: that way parsing code for each level of element can be tested separately, and it's clear how/where to add parsing for new syntactic elements if need be). This works best for context-free grammars (parsers for elements on the same level can be fully independent of each other)</a:t>
+            </a:r>
+          </a:p>
+        </p:txBody>
+      </p:sp>
+      <p:sp>
+        <p:nvSpPr>
+          <p:cNvPr id="4" name="Slide Number Placeholder 3"/>
+          <p:cNvSpPr>
+            <a:spLocks noGrp="1"/>
+          </p:cNvSpPr>
+          <p:nvPr>
+            <p:ph type="sldNum" sz="quarter" idx="10"/>
+          </p:nvPr>
+        </p:nvSpPr>
+        <p:spPr/>
+        <p:txBody>
+          <a:bodyPr/>
+          <a:lstStyle/>
+          <a:p>
+            <a:pPr>
+              <a:defRPr/>
+            </a:pPr>
+            <a:fld id="{E9579BAD-8310-5042-AC3B-9C78A97C1BBB}" type="slidenum">
+              <a:rPr lang="en-US" smtClean="0"/>
+              <a:pPr>
+                <a:defRPr/>
+              </a:pPr>
+              <a:t>8</a:t>
+            </a:fld>
+            <a:endParaRPr lang="en-US"/>
+          </a:p>
+        </p:txBody>
+      </p:sp>
+    </p:spTree>
+    <p:extLst>
+      <p:ext uri="{BB962C8B-B14F-4D97-AF65-F5344CB8AC3E}">
+        <p14:creationId xmlns:p14="http://schemas.microsoft.com/office/powerpoint/2010/main" val="3175644056"/>
+      </p:ext>
+    </p:extLst>
+  </p:cSld>
+  <p:clrMapOvr>
+    <a:masterClrMapping/>
+  </p:clrMapOvr>
+</p:notes>
+</file>
+
+<file path=ppt/notesSlides/notesSlide3.xml><?xml version="1.0" encoding="utf-8"?>
+<p:notes xmlns:a="http://schemas.openxmlformats.org/drawingml/2006/main" xmlns:r="http://schemas.openxmlformats.org/officeDocument/2006/relationships" xmlns:p="http://schemas.openxmlformats.org/presentationml/2006/main">
+  <p:cSld>
+    <p:spTree>
+      <p:nvGrpSpPr>
+        <p:cNvPr id="1" name=""/>
+        <p:cNvGrpSpPr/>
+        <p:nvPr/>
+      </p:nvGrpSpPr>
+      <p:grpSpPr>
+        <a:xfrm>
+          <a:off x="0" y="0"/>
+          <a:ext cx="0" cy="0"/>
+          <a:chOff x="0" y="0"/>
+          <a:chExt cx="0" cy="0"/>
+        </a:xfrm>
+      </p:grpSpPr>
+      <p:sp>
+        <p:nvSpPr>
+          <p:cNvPr id="2" name="Slide Image Placeholder 1"/>
+          <p:cNvSpPr>
+            <a:spLocks noGrp="1" noRot="1" noChangeAspect="1"/>
+          </p:cNvSpPr>
+          <p:nvPr>
+            <p:ph type="sldImg"/>
+          </p:nvPr>
+        </p:nvSpPr>
+        <p:spPr/>
+      </p:sp>
+      <p:sp>
+        <p:nvSpPr>
+          <p:cNvPr id="3" name="Notes Placeholder 2"/>
+          <p:cNvSpPr>
+            <a:spLocks noGrp="1"/>
+          </p:cNvSpPr>
+          <p:nvPr>
+            <p:ph type="body" idx="1"/>
+          </p:nvPr>
+        </p:nvSpPr>
+        <p:spPr/>
+        <p:txBody>
+          <a:bodyPr/>
+          <a:lstStyle/>
+          <a:p>
+            <a:pPr marL="0" marR="0" indent="0" algn="l" defTabSz="914400" rtl="0" eaLnBrk="0" fontAlgn="base" latinLnBrk="0" hangingPunct="0">
+              <a:lnSpc>
+                <a:spcPct val="100000"/>
+              </a:lnSpc>
+              <a:spcBef>
+                <a:spcPct val="30000"/>
+              </a:spcBef>
+              <a:spcAft>
+                <a:spcPct val="0"/>
+              </a:spcAft>
+              <a:buClrTx/>
+              <a:buSzTx/>
+              <a:buFontTx/>
+              <a:buNone/>
+              <a:tabLst/>
+              <a:defRPr/>
+            </a:pPr>
+            <a:r>
+              <a:rPr lang="en-US" sz="1200" kern="1200" dirty="0" smtClean="0">
+                <a:solidFill>
+                  <a:schemeClr val="tx1"/>
+                </a:solidFill>
+                <a:effectLst/>
+                <a:latin typeface="+mn-lt"/>
+                <a:ea typeface="ＭＳ Ｐゴシック" charset="-128"/>
+                <a:cs typeface="ＭＳ Ｐゴシック" charset="-128"/>
+              </a:rPr>
+              <a:t>From code for a typical parser in C, it's hard to recover the spec of the what it's supposed to parse. Grammar abstractions mix with C details of memory allocation, state keeping, etc. Not so with Hammer: Hammer parser code resembles a grammar spec, and is easier to read.</a:t>
+            </a:r>
+          </a:p>
+          <a:p>
+            <a:endParaRPr lang="en-US" dirty="0" smtClean="0"/>
+          </a:p>
+          <a:p>
+            <a:pPr marL="0" marR="0" indent="0" algn="l" defTabSz="914400" rtl="0" eaLnBrk="0" fontAlgn="base" latinLnBrk="0" hangingPunct="0">
+              <a:lnSpc>
+                <a:spcPct val="100000"/>
+              </a:lnSpc>
+              <a:spcBef>
+                <a:spcPct val="30000"/>
+              </a:spcBef>
+              <a:spcAft>
+                <a:spcPct val="0"/>
+              </a:spcAft>
+              <a:buClrTx/>
+              <a:buSzTx/>
+              <a:buFontTx/>
+              <a:buNone/>
+              <a:tabLst/>
+              <a:defRPr/>
+            </a:pPr>
+            <a:r>
+              <a:rPr lang="en-US" sz="1200" kern="1200" dirty="0" smtClean="0">
+                <a:solidFill>
+                  <a:schemeClr val="tx1"/>
+                </a:solidFill>
+                <a:effectLst/>
+                <a:latin typeface="+mn-lt"/>
+                <a:ea typeface="ＭＳ Ｐゴシック" charset="-128"/>
+                <a:cs typeface="ＭＳ Ｐゴシック" charset="-128"/>
+              </a:rPr>
+              <a:t>Parser bugs tend to come from starting to process input data too early: e.g., doing memory allocation, copying, and pointer arithmetic before it's fully parsed &amp; recognized as valid. Hammer style gives processing code a proper place, where it could be safely written, to run only when syntax-checking part is over.</a:t>
+            </a:r>
+          </a:p>
+          <a:p>
+            <a:endParaRPr lang="en-US" dirty="0" smtClean="0"/>
+          </a:p>
+          <a:p>
+            <a:pPr marL="0" marR="0" indent="0" algn="l" defTabSz="914400" rtl="0" eaLnBrk="0" fontAlgn="base" latinLnBrk="0" hangingPunct="0">
+              <a:lnSpc>
+                <a:spcPct val="100000"/>
+              </a:lnSpc>
+              <a:spcBef>
+                <a:spcPct val="30000"/>
+              </a:spcBef>
+              <a:spcAft>
+                <a:spcPct val="0"/>
+              </a:spcAft>
+              <a:buClrTx/>
+              <a:buSzTx/>
+              <a:buFontTx/>
+              <a:buNone/>
+              <a:tabLst/>
+              <a:defRPr/>
+            </a:pPr>
+            <a:r>
+              <a:rPr lang="en-US" sz="1200" kern="1200" dirty="0" smtClean="0">
+                <a:solidFill>
+                  <a:schemeClr val="tx1"/>
+                </a:solidFill>
+                <a:effectLst/>
+                <a:latin typeface="+mn-lt"/>
+                <a:ea typeface="ＭＳ Ｐゴシック" charset="-128"/>
+                <a:cs typeface="ＭＳ Ｐゴシック" charset="-128"/>
+              </a:rPr>
+              <a:t>When new functionality/feature needs to be added to an existing parser, it's often not clear where to add it: to the syntax part? To an existing action? This leads to bugs even for parsers that were initially generated from specs. </a:t>
+            </a:r>
+            <a:r>
+              <a:rPr lang="en-US" sz="1200" kern="1200" smtClean="0">
+                <a:solidFill>
+                  <a:schemeClr val="tx1"/>
+                </a:solidFill>
+                <a:effectLst/>
+                <a:latin typeface="+mn-lt"/>
+                <a:ea typeface="ＭＳ Ｐゴシック" charset="-128"/>
+                <a:cs typeface="ＭＳ Ｐゴシック" charset="-128"/>
+              </a:rPr>
+              <a:t>Hammer semantic actions (previous point) give a clear boundary at which to add code for new features.</a:t>
+            </a:r>
+          </a:p>
+        </p:txBody>
+      </p:sp>
+      <p:sp>
+        <p:nvSpPr>
+          <p:cNvPr id="4" name="Slide Number Placeholder 3"/>
+          <p:cNvSpPr>
+            <a:spLocks noGrp="1"/>
+          </p:cNvSpPr>
+          <p:nvPr>
+            <p:ph type="sldNum" sz="quarter" idx="10"/>
+          </p:nvPr>
+        </p:nvSpPr>
+        <p:spPr/>
+        <p:txBody>
+          <a:bodyPr/>
+          <a:lstStyle/>
+          <a:p>
+            <a:pPr>
+              <a:defRPr/>
+            </a:pPr>
+            <a:fld id="{E9579BAD-8310-5042-AC3B-9C78A97C1BBB}" type="slidenum">
+              <a:rPr lang="en-US" smtClean="0"/>
+              <a:pPr>
+                <a:defRPr/>
+              </a:pPr>
+              <a:t>9</a:t>
+            </a:fld>
+            <a:endParaRPr lang="en-US"/>
+          </a:p>
+        </p:txBody>
+      </p:sp>
+    </p:spTree>
+    <p:extLst>
+      <p:ext uri="{BB962C8B-B14F-4D97-AF65-F5344CB8AC3E}">
+        <p14:creationId xmlns:p14="http://schemas.microsoft.com/office/powerpoint/2010/main" val="3681840533"/>
+      </p:ext>
+    </p:extLst>
+  </p:cSld>
+  <p:clrMapOvr>
+    <a:masterClrMapping/>
+  </p:clrMapOvr>
+</p:notes>
+</file>
+
 <file path=ppt/slideLayouts/slideLayout1.xml><?xml version="1.0" encoding="utf-8"?>
 <p:sldLayout xmlns:a="http://schemas.openxmlformats.org/drawingml/2006/main" xmlns:r="http://schemas.openxmlformats.org/officeDocument/2006/relationships" xmlns:p="http://schemas.openxmlformats.org/presentationml/2006/main" type="title" preserve="1">
   <p:cSld name="Title Slide">
@@ -1027,7 +1344,7 @@
               <a:pPr>
                 <a:defRPr/>
               </a:pPr>
-              <a:t>1/5/2014</a:t>
+              <a:t>1/7/2014</a:t>
             </a:fld>
             <a:endParaRPr lang="en-US"/>
           </a:p>
@@ -1269,7 +1586,7 @@
               <a:pPr>
                 <a:defRPr/>
               </a:pPr>
-              <a:t>1/5/2014</a:t>
+              <a:t>1/7/2014</a:t>
             </a:fld>
             <a:endParaRPr lang="en-US"/>
           </a:p>
@@ -1511,7 +1828,7 @@
               <a:pPr>
                 <a:defRPr/>
               </a:pPr>
-              <a:t>1/5/2014</a:t>
+              <a:t>1/7/2014</a:t>
             </a:fld>
             <a:endParaRPr lang="en-US"/>
           </a:p>
@@ -1819,7 +2136,7 @@
               <a:pPr>
                 <a:defRPr/>
               </a:pPr>
-              <a:t>1/5/2014</a:t>
+              <a:t>1/7/2014</a:t>
             </a:fld>
             <a:endParaRPr lang="en-US"/>
           </a:p>
@@ -2169,7 +2486,7 @@
               <a:pPr>
                 <a:defRPr/>
               </a:pPr>
-              <a:t>1/5/2014</a:t>
+              <a:t>1/7/2014</a:t>
             </a:fld>
             <a:endParaRPr lang="en-US"/>
           </a:p>
@@ -2653,7 +2970,7 @@
               <a:pPr>
                 <a:defRPr/>
               </a:pPr>
-              <a:t>1/5/2014</a:t>
+              <a:t>1/7/2014</a:t>
             </a:fld>
             <a:endParaRPr lang="en-US"/>
           </a:p>
@@ -2833,7 +3150,7 @@
               <a:pPr>
                 <a:defRPr/>
               </a:pPr>
-              <a:t>1/5/2014</a:t>
+              <a:t>1/7/2014</a:t>
             </a:fld>
             <a:endParaRPr lang="en-US"/>
           </a:p>
@@ -2990,7 +3307,7 @@
               <a:pPr>
                 <a:defRPr/>
               </a:pPr>
-              <a:t>1/5/2014</a:t>
+              <a:t>1/7/2014</a:t>
             </a:fld>
             <a:endParaRPr lang="en-US"/>
           </a:p>
@@ -3329,7 +3646,7 @@
               <a:pPr>
                 <a:defRPr/>
               </a:pPr>
-              <a:t>1/5/2014</a:t>
+              <a:t>1/7/2014</a:t>
             </a:fld>
             <a:endParaRPr lang="en-US"/>
           </a:p>
@@ -3650,7 +3967,7 @@
               <a:pPr>
                 <a:defRPr/>
               </a:pPr>
-              <a:t>1/5/2014</a:t>
+              <a:t>1/7/2014</a:t>
             </a:fld>
             <a:endParaRPr lang="en-US"/>
           </a:p>
@@ -5763,6 +6080,94 @@
           <a:p>
             <a:r>
               <a:rPr lang="en-US" dirty="0" smtClean="0"/>
+              <a:t>Example: DNP3 Parser Bug</a:t>
+            </a:r>
+            <a:endParaRPr lang="en-US" dirty="0"/>
+          </a:p>
+        </p:txBody>
+      </p:sp>
+      <p:sp>
+        <p:nvSpPr>
+          <p:cNvPr id="3" name="Content Placeholder 2"/>
+          <p:cNvSpPr>
+            <a:spLocks noGrp="1"/>
+          </p:cNvSpPr>
+          <p:nvPr>
+            <p:ph idx="1"/>
+          </p:nvPr>
+        </p:nvSpPr>
+        <p:spPr/>
+        <p:txBody>
+          <a:bodyPr/>
+          <a:lstStyle/>
+          <a:p>
+            <a:r>
+              <a:rPr lang="en-US" dirty="0" smtClean="0"/>
+              <a:t>[code slide?]</a:t>
+            </a:r>
+            <a:endParaRPr lang="en-US" dirty="0"/>
+          </a:p>
+        </p:txBody>
+      </p:sp>
+    </p:spTree>
+    <p:extLst>
+      <p:ext uri="{BB962C8B-B14F-4D97-AF65-F5344CB8AC3E}">
+        <p14:creationId xmlns:p14="http://schemas.microsoft.com/office/powerpoint/2010/main" val="3629910127"/>
+      </p:ext>
+    </p:extLst>
+  </p:cSld>
+  <p:clrMapOvr>
+    <a:masterClrMapping/>
+  </p:clrMapOvr>
+  <mc:AlternateContent xmlns:mc="http://schemas.openxmlformats.org/markup-compatibility/2006" xmlns:p14="http://schemas.microsoft.com/office/powerpoint/2010/main">
+    <mc:Choice Requires="p14">
+      <p:transition spd="med" p14:dur="700">
+        <p:fade/>
+      </p:transition>
+    </mc:Choice>
+    <mc:Fallback xmlns="">
+      <p:transition spd="med">
+        <p:fade/>
+      </p:transition>
+    </mc:Fallback>
+  </mc:AlternateContent>
+</p:sld>
+</file>
+
+<file path=ppt/slides/slide11.xml><?xml version="1.0" encoding="utf-8"?>
+<p:sld xmlns:a="http://schemas.openxmlformats.org/drawingml/2006/main" xmlns:r="http://schemas.openxmlformats.org/officeDocument/2006/relationships" xmlns:p="http://schemas.openxmlformats.org/presentationml/2006/main">
+  <p:cSld>
+    <p:spTree>
+      <p:nvGrpSpPr>
+        <p:cNvPr id="1" name=""/>
+        <p:cNvGrpSpPr/>
+        <p:nvPr/>
+      </p:nvGrpSpPr>
+      <p:grpSpPr>
+        <a:xfrm>
+          <a:off x="0" y="0"/>
+          <a:ext cx="0" cy="0"/>
+          <a:chOff x="0" y="0"/>
+          <a:chExt cx="0" cy="0"/>
+        </a:xfrm>
+      </p:grpSpPr>
+      <p:sp>
+        <p:nvSpPr>
+          <p:cNvPr id="2" name="Title 1"/>
+          <p:cNvSpPr>
+            <a:spLocks noGrp="1"/>
+          </p:cNvSpPr>
+          <p:nvPr>
+            <p:ph type="title"/>
+          </p:nvPr>
+        </p:nvSpPr>
+        <p:spPr/>
+        <p:txBody>
+          <a:bodyPr/>
+          <a:lstStyle/>
+          <a:p>
+            <a:r>
+              <a:rPr lang="en-US" dirty="0" smtClean="0"/>
               <a:t>Conclusion</a:t>
             </a:r>
             <a:endParaRPr lang="en-US" dirty="0"/>
@@ -6432,11 +6837,7 @@
             </a:pPr>
             <a:r>
               <a:rPr lang="en-US" b="1" dirty="0" smtClean="0"/>
-              <a:t>“Shotgun” </a:t>
-            </a:r>
-            <a:r>
-              <a:rPr lang="en-US" b="1" dirty="0" smtClean="0"/>
-              <a:t>Parsers</a:t>
+              <a:t>“Shotgun” Parsers</a:t>
             </a:r>
           </a:p>
           <a:p>
@@ -6463,17 +6864,12 @@
             </a:pPr>
             <a:r>
               <a:rPr lang="en-US" dirty="0" smtClean="0"/>
-              <a:t>Have a dense-enough collection of checks, and you are likely to hit most </a:t>
-            </a:r>
-            <a:r>
-              <a:rPr lang="en-US" dirty="0" smtClean="0"/>
-              <a:t>things </a:t>
+              <a:t>Have a dense-enough collection of checks, and you are likely to hit most things </a:t>
             </a:r>
             <a:r>
               <a:rPr lang="en-US" sz="2000" dirty="0" smtClean="0"/>
               <a:t>(although the attacker only has to find one miss!)</a:t>
             </a:r>
-            <a:endParaRPr lang="en-US" sz="2000" dirty="0" smtClean="0"/>
           </a:p>
           <a:p>
             <a:pPr marL="0" indent="0">
@@ -6505,15 +6901,7 @@
             </a:pPr>
             <a:r>
               <a:rPr lang="en-US" dirty="0" smtClean="0"/>
-              <a:t>In a way, is </a:t>
-            </a:r>
-            <a:r>
-              <a:rPr lang="en-US" dirty="0" smtClean="0"/>
-              <a:t>the (semi-random) </a:t>
-            </a:r>
-            <a:r>
-              <a:rPr lang="en-US" dirty="0" smtClean="0"/>
-              <a:t>inverse of defining valid input</a:t>
+              <a:t>In a way, is the (semi-random) inverse of defining valid input</a:t>
             </a:r>
             <a:endParaRPr lang="en-US" dirty="0"/>
           </a:p>
@@ -6896,7 +7284,11 @@
           <a:p>
             <a:r>
               <a:rPr lang="en-US" dirty="0" smtClean="0"/>
-              <a:t>From Concepts to Technology</a:t>
+              <a:t>Applying Concepts </a:t>
+            </a:r>
+            <a:r>
+              <a:rPr lang="en-US" dirty="0" smtClean="0"/>
+              <a:t>to Technology</a:t>
             </a:r>
             <a:endParaRPr lang="en-US" dirty="0"/>
           </a:p>
@@ -6917,14 +7309,58 @@
           <a:bodyPr/>
           <a:lstStyle/>
           <a:p>
+            <a:pPr marL="0" indent="0">
+              <a:buNone/>
+            </a:pPr>
             <a:r>
               <a:rPr lang="en-US" dirty="0" smtClean="0"/>
-              <a:t>[Sergey]</a:t>
+              <a:t>Parsers all the way down</a:t>
             </a:r>
             <a:endParaRPr lang="en-US" dirty="0"/>
           </a:p>
         </p:txBody>
       </p:sp>
+      <p:pic>
+        <p:nvPicPr>
+          <p:cNvPr id="1026" name="Picture 2" descr="C:\Users\Darren\Documents\Projects\Conferences and Papers\S4 2014\dnp3_packet_structure.jpg"/>
+          <p:cNvPicPr>
+            <a:picLocks noChangeAspect="1" noChangeArrowheads="1"/>
+          </p:cNvPicPr>
+          <p:nvPr/>
+        </p:nvPicPr>
+        <p:blipFill>
+          <a:blip r:embed="rId3">
+            <a:extLst>
+              <a:ext uri="{28A0092B-C50C-407E-A947-70E740481C1C}">
+                <a14:useLocalDpi xmlns:a14="http://schemas.microsoft.com/office/drawing/2010/main" val="0"/>
+              </a:ext>
+            </a:extLst>
+          </a:blip>
+          <a:srcRect/>
+          <a:stretch>
+            <a:fillRect/>
+          </a:stretch>
+        </p:blipFill>
+        <p:spPr bwMode="auto">
+          <a:xfrm>
+            <a:off x="467544" y="1988840"/>
+            <a:ext cx="8136904" cy="3777016"/>
+          </a:xfrm>
+          <a:prstGeom prst="rect">
+            <a:avLst/>
+          </a:prstGeom>
+          <a:noFill/>
+          <a:extLst>
+            <a:ext uri="{909E8E84-426E-40DD-AFC4-6F175D3DCCD1}">
+              <a14:hiddenFill xmlns:a14="http://schemas.microsoft.com/office/drawing/2010/main">
+                <a:solidFill>
+                  <a:srgbClr val="FFFFFF"/>
+                </a:solidFill>
+              </a14:hiddenFill>
+            </a:ext>
+          </a:extLst>
+        </p:spPr>
+      </p:pic>
     </p:spTree>
     <p:extLst>
       <p:ext uri="{BB962C8B-B14F-4D97-AF65-F5344CB8AC3E}">
@@ -6984,7 +7420,7 @@
           <a:p>
             <a:r>
               <a:rPr lang="en-US" dirty="0" smtClean="0"/>
-              <a:t>Using the Technology</a:t>
+              <a:t>Introduction to Hammer</a:t>
             </a:r>
             <a:endParaRPr lang="en-US" dirty="0"/>
           </a:p>
@@ -7005,9 +7441,78 @@
           <a:bodyPr/>
           <a:lstStyle/>
           <a:p>
+            <a:pPr marL="0" indent="0">
+              <a:buNone/>
+            </a:pPr>
             <a:r>
               <a:rPr lang="en-US" dirty="0" smtClean="0"/>
-              <a:t>[Meredith]</a:t>
+              <a:t>Hammer parser looks like an input grammar spec</a:t>
+            </a:r>
+          </a:p>
+          <a:p>
+            <a:pPr marL="457200" lvl="1" indent="0">
+              <a:buNone/>
+            </a:pPr>
+            <a:r>
+              <a:rPr lang="en-US" dirty="0" smtClean="0"/>
+              <a:t>vs. typical C code (difficult to tell what its supposed to parse)</a:t>
+            </a:r>
+          </a:p>
+          <a:p>
+            <a:pPr marL="0" indent="0">
+              <a:buNone/>
+            </a:pPr>
+            <a:endParaRPr lang="en-US" dirty="0"/>
+          </a:p>
+          <a:p>
+            <a:pPr marL="0" indent="0">
+              <a:buNone/>
+            </a:pPr>
+            <a:r>
+              <a:rPr lang="en-US" dirty="0" smtClean="0"/>
+              <a:t>From syntax to semantics: semantic actions</a:t>
+            </a:r>
+          </a:p>
+          <a:p>
+            <a:pPr marL="457200" lvl="1" indent="0">
+              <a:buNone/>
+            </a:pPr>
+            <a:r>
+              <a:rPr lang="en-US" dirty="0" smtClean="0"/>
+              <a:t>Wait to start processing until fully parsed &amp; validated</a:t>
+            </a:r>
+          </a:p>
+          <a:p>
+            <a:pPr marL="0" indent="0">
+              <a:buNone/>
+            </a:pPr>
+            <a:endParaRPr lang="en-US" dirty="0"/>
+          </a:p>
+          <a:p>
+            <a:pPr marL="0" indent="0">
+              <a:buNone/>
+            </a:pPr>
+            <a:r>
+              <a:rPr lang="en-US" dirty="0" smtClean="0"/>
+              <a:t>Well-governed feature addition</a:t>
+            </a:r>
+          </a:p>
+          <a:p>
+            <a:pPr marL="457200" lvl="1" indent="0">
+              <a:buNone/>
+            </a:pPr>
+            <a:r>
+              <a:rPr lang="en-US" dirty="0" smtClean="0"/>
+              <a:t>Where to add new features/functionality?</a:t>
+            </a:r>
+          </a:p>
+          <a:p>
+            <a:pPr marL="457200" lvl="1" indent="0">
+              <a:buNone/>
+            </a:pPr>
+            <a:r>
+              <a:rPr lang="en-US" dirty="0" smtClean="0"/>
+              <a:t>Boundary between parsing &amp; processing guides code evolution</a:t>
             </a:r>
             <a:endParaRPr lang="en-US" dirty="0"/>
           </a:p>
@@ -7016,7 +7521,7 @@
     </p:spTree>
     <p:extLst>
       <p:ext uri="{BB962C8B-B14F-4D97-AF65-F5344CB8AC3E}">
-        <p14:creationId xmlns:p14="http://schemas.microsoft.com/office/powerpoint/2010/main" val="2324498244"/>
+        <p14:creationId xmlns:p14="http://schemas.microsoft.com/office/powerpoint/2010/main" val="842082720"/>
       </p:ext>
     </p:extLst>
   </p:cSld>

--- a/Taken Out of Context - S4 2014.pptx
+++ b/Taken Out of Context - S4 2014.pptx
@@ -7480,6 +7480,15 @@
             <a:r>
               <a:rPr lang="en-US" dirty="0" smtClean="0"/>
               <a:t>Wait to start processing until fully parsed &amp; validated</a:t>
+            </a:r>
+          </a:p>
+          <a:p>
+            <a:pPr marL="457200" lvl="1" indent="0">
+              <a:buNone/>
+            </a:pPr>
+            <a:r>
+              <a:rPr lang="en-US" dirty="0" smtClean="0"/>
+              <a:t>Clean separation of semantics &amp; syntax</a:t>
             </a:r>
           </a:p>
           <a:p>
